--- a/documentazione/Presentazione.pptx
+++ b/documentazione/Presentazione.pptx
@@ -11,6 +11,8 @@
     <p:sldId id="261" r:id="rId5"/>
     <p:sldId id="262" r:id="rId6"/>
     <p:sldId id="264" r:id="rId7"/>
+    <p:sldId id="265" r:id="rId8"/>
+    <p:sldId id="266" r:id="rId9"/>
   </p:sldIdLst>
   <p:sldSz cx="12192000" cy="6858000"/>
   <p:notesSz cx="6858000" cy="9144000"/>
@@ -109,6 +111,11 @@
       </a:defRPr>
     </a:lvl9pPr>
   </p:defaultTextStyle>
+  <p:extLst>
+    <p:ext uri="{EFAFB233-063F-42B5-8137-9DF3F51BA10A}">
+      <p15:sldGuideLst xmlns:p15="http://schemas.microsoft.com/office/powerpoint/2012/main"/>
+    </p:ext>
+  </p:extLst>
 </p:presentation>
 </file>
 
@@ -162,7 +169,7 @@
           <a:noFill/>
           <a:extLst>
             <a:ext uri="{909E8E84-426E-40dd-AFC4-6F175D3DCCD1}">
-              <a14:hiddenFill xmlns:a14="http://schemas.microsoft.com/office/drawing/2010/main" xmlns="">
+              <a14:hiddenFill xmlns="" xmlns:a14="http://schemas.microsoft.com/office/drawing/2010/main">
                 <a:solidFill>
                   <a:srgbClr val="FFFFFF"/>
                 </a:solidFill>
@@ -222,7 +229,7 @@
             </a:ln>
             <a:extLst>
               <a:ext uri="{91240B29-F687-4f45-9708-019B960494DF}">
-                <a14:hiddenLine xmlns:a14="http://schemas.microsoft.com/office/drawing/2010/main" xmlns="" w="9525">
+                <a14:hiddenLine xmlns="" xmlns:a14="http://schemas.microsoft.com/office/drawing/2010/main" w="9525">
                   <a:solidFill>
                     <a:srgbClr val="000000"/>
                   </a:solidFill>
@@ -312,7 +319,7 @@
             </a:ln>
             <a:extLst>
               <a:ext uri="{91240B29-F687-4f45-9708-019B960494DF}">
-                <a14:hiddenLine xmlns:a14="http://schemas.microsoft.com/office/drawing/2010/main" xmlns="" w="9525">
+                <a14:hiddenLine xmlns="" xmlns:a14="http://schemas.microsoft.com/office/drawing/2010/main" w="9525">
                   <a:solidFill>
                     <a:srgbClr val="000000"/>
                   </a:solidFill>
@@ -402,7 +409,7 @@
             </a:ln>
             <a:extLst>
               <a:ext uri="{91240B29-F687-4f45-9708-019B960494DF}">
-                <a14:hiddenLine xmlns:a14="http://schemas.microsoft.com/office/drawing/2010/main" xmlns="" w="9525">
+                <a14:hiddenLine xmlns="" xmlns:a14="http://schemas.microsoft.com/office/drawing/2010/main" w="9525">
                   <a:solidFill>
                     <a:srgbClr val="000000"/>
                   </a:solidFill>
@@ -436,7 +443,7 @@
             </a:ln>
             <a:extLst>
               <a:ext uri="{91240B29-F687-4f45-9708-019B960494DF}">
-                <a14:hiddenLine xmlns:a14="http://schemas.microsoft.com/office/drawing/2010/main" xmlns="" w="9525">
+                <a14:hiddenLine xmlns="" xmlns:a14="http://schemas.microsoft.com/office/drawing/2010/main" w="9525">
                   <a:solidFill>
                     <a:srgbClr val="000000"/>
                   </a:solidFill>
@@ -526,7 +533,7 @@
             </a:ln>
             <a:extLst>
               <a:ext uri="{91240B29-F687-4f45-9708-019B960494DF}">
-                <a14:hiddenLine xmlns:a14="http://schemas.microsoft.com/office/drawing/2010/main" xmlns="" w="9525">
+                <a14:hiddenLine xmlns="" xmlns:a14="http://schemas.microsoft.com/office/drawing/2010/main" w="9525">
                   <a:solidFill>
                     <a:srgbClr val="000000"/>
                   </a:solidFill>
@@ -588,7 +595,7 @@
             </a:ln>
             <a:extLst>
               <a:ext uri="{91240B29-F687-4f45-9708-019B960494DF}">
-                <a14:hiddenLine xmlns:a14="http://schemas.microsoft.com/office/drawing/2010/main" xmlns="" w="9525">
+                <a14:hiddenLine xmlns="" xmlns:a14="http://schemas.microsoft.com/office/drawing/2010/main" w="9525">
                   <a:solidFill>
                     <a:srgbClr val="000000"/>
                   </a:solidFill>
@@ -650,7 +657,7 @@
             </a:ln>
             <a:extLst>
               <a:ext uri="{91240B29-F687-4f45-9708-019B960494DF}">
-                <a14:hiddenLine xmlns:a14="http://schemas.microsoft.com/office/drawing/2010/main" xmlns="" w="9525">
+                <a14:hiddenLine xmlns="" xmlns:a14="http://schemas.microsoft.com/office/drawing/2010/main" w="9525">
                   <a:solidFill>
                     <a:srgbClr val="000000"/>
                   </a:solidFill>
@@ -740,7 +747,7 @@
             </a:ln>
             <a:extLst>
               <a:ext uri="{91240B29-F687-4f45-9708-019B960494DF}">
-                <a14:hiddenLine xmlns:a14="http://schemas.microsoft.com/office/drawing/2010/main" xmlns="" w="9525">
+                <a14:hiddenLine xmlns="" xmlns:a14="http://schemas.microsoft.com/office/drawing/2010/main" w="9525">
                   <a:solidFill>
                     <a:srgbClr val="000000"/>
                   </a:solidFill>
@@ -802,7 +809,7 @@
             </a:ln>
             <a:extLst>
               <a:ext uri="{91240B29-F687-4f45-9708-019B960494DF}">
-                <a14:hiddenLine xmlns:a14="http://schemas.microsoft.com/office/drawing/2010/main" xmlns="" w="9525">
+                <a14:hiddenLine xmlns="" xmlns:a14="http://schemas.microsoft.com/office/drawing/2010/main" w="9525">
                   <a:solidFill>
                     <a:srgbClr val="000000"/>
                   </a:solidFill>
@@ -864,7 +871,7 @@
             </a:ln>
             <a:extLst>
               <a:ext uri="{91240B29-F687-4f45-9708-019B960494DF}">
-                <a14:hiddenLine xmlns:a14="http://schemas.microsoft.com/office/drawing/2010/main" xmlns="" w="9525">
+                <a14:hiddenLine xmlns="" xmlns:a14="http://schemas.microsoft.com/office/drawing/2010/main" w="9525">
                   <a:solidFill>
                     <a:srgbClr val="000000"/>
                   </a:solidFill>
@@ -954,7 +961,7 @@
             </a:ln>
             <a:extLst>
               <a:ext uri="{91240B29-F687-4f45-9708-019B960494DF}">
-                <a14:hiddenLine xmlns:a14="http://schemas.microsoft.com/office/drawing/2010/main" xmlns="" w="9525">
+                <a14:hiddenLine xmlns="" xmlns:a14="http://schemas.microsoft.com/office/drawing/2010/main" w="9525">
                   <a:solidFill>
                     <a:srgbClr val="000000"/>
                   </a:solidFill>
@@ -1044,7 +1051,7 @@
             </a:ln>
             <a:extLst>
               <a:ext uri="{91240B29-F687-4f45-9708-019B960494DF}">
-                <a14:hiddenLine xmlns:a14="http://schemas.microsoft.com/office/drawing/2010/main" xmlns="" w="9525">
+                <a14:hiddenLine xmlns="" xmlns:a14="http://schemas.microsoft.com/office/drawing/2010/main" w="9525">
                   <a:solidFill>
                     <a:srgbClr val="000000"/>
                   </a:solidFill>
@@ -1106,7 +1113,7 @@
             </a:ln>
             <a:extLst>
               <a:ext uri="{91240B29-F687-4f45-9708-019B960494DF}">
-                <a14:hiddenLine xmlns:a14="http://schemas.microsoft.com/office/drawing/2010/main" xmlns="" w="9525">
+                <a14:hiddenLine xmlns="" xmlns:a14="http://schemas.microsoft.com/office/drawing/2010/main" w="9525">
                   <a:solidFill>
                     <a:srgbClr val="000000"/>
                   </a:solidFill>
@@ -1216,7 +1223,7 @@
             </a:ln>
             <a:extLst>
               <a:ext uri="{91240B29-F687-4f45-9708-019B960494DF}">
-                <a14:hiddenLine xmlns:a14="http://schemas.microsoft.com/office/drawing/2010/main" xmlns="" w="9525">
+                <a14:hiddenLine xmlns="" xmlns:a14="http://schemas.microsoft.com/office/drawing/2010/main" w="9525">
                   <a:solidFill>
                     <a:srgbClr val="000000"/>
                   </a:solidFill>
@@ -1278,7 +1285,7 @@
             </a:ln>
             <a:extLst>
               <a:ext uri="{91240B29-F687-4f45-9708-019B960494DF}">
-                <a14:hiddenLine xmlns:a14="http://schemas.microsoft.com/office/drawing/2010/main" xmlns="" w="9525">
+                <a14:hiddenLine xmlns="" xmlns:a14="http://schemas.microsoft.com/office/drawing/2010/main" w="9525">
                   <a:solidFill>
                     <a:srgbClr val="000000"/>
                   </a:solidFill>
@@ -1368,7 +1375,7 @@
             </a:ln>
             <a:extLst>
               <a:ext uri="{91240B29-F687-4f45-9708-019B960494DF}">
-                <a14:hiddenLine xmlns:a14="http://schemas.microsoft.com/office/drawing/2010/main" xmlns="" w="9525">
+                <a14:hiddenLine xmlns="" xmlns:a14="http://schemas.microsoft.com/office/drawing/2010/main" w="9525">
                   <a:solidFill>
                     <a:srgbClr val="000000"/>
                   </a:solidFill>
@@ -1458,7 +1465,7 @@
             </a:ln>
             <a:extLst>
               <a:ext uri="{91240B29-F687-4f45-9708-019B960494DF}">
-                <a14:hiddenLine xmlns:a14="http://schemas.microsoft.com/office/drawing/2010/main" xmlns="" w="9525">
+                <a14:hiddenLine xmlns="" xmlns:a14="http://schemas.microsoft.com/office/drawing/2010/main" w="9525">
                   <a:solidFill>
                     <a:srgbClr val="000000"/>
                   </a:solidFill>
@@ -1520,7 +1527,7 @@
             </a:ln>
             <a:extLst>
               <a:ext uri="{91240B29-F687-4f45-9708-019B960494DF}">
-                <a14:hiddenLine xmlns:a14="http://schemas.microsoft.com/office/drawing/2010/main" xmlns="" w="9525">
+                <a14:hiddenLine xmlns="" xmlns:a14="http://schemas.microsoft.com/office/drawing/2010/main" w="9525">
                   <a:solidFill>
                     <a:srgbClr val="000000"/>
                   </a:solidFill>
@@ -1610,7 +1617,7 @@
             </a:ln>
             <a:extLst>
               <a:ext uri="{91240B29-F687-4f45-9708-019B960494DF}">
-                <a14:hiddenLine xmlns:a14="http://schemas.microsoft.com/office/drawing/2010/main" xmlns="" w="9525">
+                <a14:hiddenLine xmlns="" xmlns:a14="http://schemas.microsoft.com/office/drawing/2010/main" w="9525">
                   <a:solidFill>
                     <a:srgbClr val="000000"/>
                   </a:solidFill>
@@ -1700,7 +1707,7 @@
             </a:ln>
             <a:extLst>
               <a:ext uri="{91240B29-F687-4f45-9708-019B960494DF}">
-                <a14:hiddenLine xmlns:a14="http://schemas.microsoft.com/office/drawing/2010/main" xmlns="" w="9525">
+                <a14:hiddenLine xmlns="" xmlns:a14="http://schemas.microsoft.com/office/drawing/2010/main" w="9525">
                   <a:solidFill>
                     <a:srgbClr val="000000"/>
                   </a:solidFill>
@@ -1756,7 +1763,7 @@
             </a:ln>
             <a:extLst>
               <a:ext uri="{91240B29-F687-4f45-9708-019B960494DF}">
-                <a14:hiddenLine xmlns:a14="http://schemas.microsoft.com/office/drawing/2010/main" xmlns="" w="9525">
+                <a14:hiddenLine xmlns="" xmlns:a14="http://schemas.microsoft.com/office/drawing/2010/main" w="9525">
                   <a:solidFill>
                     <a:srgbClr val="000000"/>
                   </a:solidFill>
@@ -1846,7 +1853,7 @@
             </a:ln>
             <a:extLst>
               <a:ext uri="{91240B29-F687-4f45-9708-019B960494DF}">
-                <a14:hiddenLine xmlns:a14="http://schemas.microsoft.com/office/drawing/2010/main" xmlns="" w="9525">
+                <a14:hiddenLine xmlns="" xmlns:a14="http://schemas.microsoft.com/office/drawing/2010/main" w="9525">
                   <a:solidFill>
                     <a:srgbClr val="000000"/>
                   </a:solidFill>
@@ -1902,7 +1909,7 @@
             </a:ln>
             <a:extLst>
               <a:ext uri="{91240B29-F687-4f45-9708-019B960494DF}">
-                <a14:hiddenLine xmlns:a14="http://schemas.microsoft.com/office/drawing/2010/main" xmlns="" w="9525">
+                <a14:hiddenLine xmlns="" xmlns:a14="http://schemas.microsoft.com/office/drawing/2010/main" w="9525">
                   <a:solidFill>
                     <a:srgbClr val="000000"/>
                   </a:solidFill>
@@ -1992,7 +1999,7 @@
             </a:ln>
             <a:extLst>
               <a:ext uri="{91240B29-F687-4f45-9708-019B960494DF}">
-                <a14:hiddenLine xmlns:a14="http://schemas.microsoft.com/office/drawing/2010/main" xmlns="" w="9525">
+                <a14:hiddenLine xmlns="" xmlns:a14="http://schemas.microsoft.com/office/drawing/2010/main" w="9525">
                   <a:solidFill>
                     <a:srgbClr val="000000"/>
                   </a:solidFill>
@@ -2060,7 +2067,7 @@
             </a:ln>
             <a:extLst>
               <a:ext uri="{91240B29-F687-4f45-9708-019B960494DF}">
-                <a14:hiddenLine xmlns:a14="http://schemas.microsoft.com/office/drawing/2010/main" xmlns="" w="9525">
+                <a14:hiddenLine xmlns="" xmlns:a14="http://schemas.microsoft.com/office/drawing/2010/main" w="9525">
                   <a:solidFill>
                     <a:srgbClr val="000000"/>
                   </a:solidFill>
@@ -2150,7 +2157,7 @@
             </a:ln>
             <a:extLst>
               <a:ext uri="{91240B29-F687-4f45-9708-019B960494DF}">
-                <a14:hiddenLine xmlns:a14="http://schemas.microsoft.com/office/drawing/2010/main" xmlns="" w="9525">
+                <a14:hiddenLine xmlns="" xmlns:a14="http://schemas.microsoft.com/office/drawing/2010/main" w="9525">
                   <a:solidFill>
                     <a:srgbClr val="000000"/>
                   </a:solidFill>
@@ -2218,7 +2225,7 @@
             </a:ln>
             <a:extLst>
               <a:ext uri="{91240B29-F687-4f45-9708-019B960494DF}">
-                <a14:hiddenLine xmlns:a14="http://schemas.microsoft.com/office/drawing/2010/main" xmlns="" w="9525">
+                <a14:hiddenLine xmlns="" xmlns:a14="http://schemas.microsoft.com/office/drawing/2010/main" w="9525">
                   <a:solidFill>
                     <a:srgbClr val="000000"/>
                   </a:solidFill>
@@ -2308,7 +2315,7 @@
             </a:ln>
             <a:extLst>
               <a:ext uri="{91240B29-F687-4f45-9708-019B960494DF}">
-                <a14:hiddenLine xmlns:a14="http://schemas.microsoft.com/office/drawing/2010/main" xmlns="" w="9525">
+                <a14:hiddenLine xmlns="" xmlns:a14="http://schemas.microsoft.com/office/drawing/2010/main" w="9525">
                   <a:solidFill>
                     <a:srgbClr val="000000"/>
                   </a:solidFill>
@@ -2342,7 +2349,7 @@
             </a:ln>
             <a:extLst>
               <a:ext uri="{91240B29-F687-4f45-9708-019B960494DF}">
-                <a14:hiddenLine xmlns:a14="http://schemas.microsoft.com/office/drawing/2010/main" xmlns="" w="9525">
+                <a14:hiddenLine xmlns="" xmlns:a14="http://schemas.microsoft.com/office/drawing/2010/main" w="9525">
                   <a:solidFill>
                     <a:srgbClr val="000000"/>
                   </a:solidFill>
@@ -2432,7 +2439,7 @@
             </a:ln>
             <a:extLst>
               <a:ext uri="{91240B29-F687-4f45-9708-019B960494DF}">
-                <a14:hiddenLine xmlns:a14="http://schemas.microsoft.com/office/drawing/2010/main" xmlns="" w="9525">
+                <a14:hiddenLine xmlns="" xmlns:a14="http://schemas.microsoft.com/office/drawing/2010/main" w="9525">
                   <a:solidFill>
                     <a:srgbClr val="000000"/>
                   </a:solidFill>
@@ -2494,7 +2501,7 @@
             </a:ln>
             <a:extLst>
               <a:ext uri="{91240B29-F687-4f45-9708-019B960494DF}">
-                <a14:hiddenLine xmlns:a14="http://schemas.microsoft.com/office/drawing/2010/main" xmlns="" w="9525">
+                <a14:hiddenLine xmlns="" xmlns:a14="http://schemas.microsoft.com/office/drawing/2010/main" w="9525">
                   <a:solidFill>
                     <a:srgbClr val="000000"/>
                   </a:solidFill>
@@ -2556,7 +2563,7 @@
             </a:ln>
             <a:extLst>
               <a:ext uri="{91240B29-F687-4f45-9708-019B960494DF}">
-                <a14:hiddenLine xmlns:a14="http://schemas.microsoft.com/office/drawing/2010/main" xmlns="" w="9525">
+                <a14:hiddenLine xmlns="" xmlns:a14="http://schemas.microsoft.com/office/drawing/2010/main" w="9525">
                   <a:solidFill>
                     <a:srgbClr val="000000"/>
                   </a:solidFill>
@@ -2646,7 +2653,7 @@
             </a:ln>
             <a:extLst>
               <a:ext uri="{91240B29-F687-4f45-9708-019B960494DF}">
-                <a14:hiddenLine xmlns:a14="http://schemas.microsoft.com/office/drawing/2010/main" xmlns="" w="9525">
+                <a14:hiddenLine xmlns="" xmlns:a14="http://schemas.microsoft.com/office/drawing/2010/main" w="9525">
                   <a:solidFill>
                     <a:srgbClr val="000000"/>
                   </a:solidFill>
@@ -2714,7 +2721,7 @@
             </a:ln>
             <a:extLst>
               <a:ext uri="{91240B29-F687-4f45-9708-019B960494DF}">
-                <a14:hiddenLine xmlns:a14="http://schemas.microsoft.com/office/drawing/2010/main" xmlns="" w="9525">
+                <a14:hiddenLine xmlns="" xmlns:a14="http://schemas.microsoft.com/office/drawing/2010/main" w="9525">
                   <a:solidFill>
                     <a:srgbClr val="000000"/>
                   </a:solidFill>
@@ -2776,7 +2783,7 @@
             </a:ln>
             <a:extLst>
               <a:ext uri="{91240B29-F687-4f45-9708-019B960494DF}">
-                <a14:hiddenLine xmlns:a14="http://schemas.microsoft.com/office/drawing/2010/main" xmlns="" w="9525">
+                <a14:hiddenLine xmlns="" xmlns:a14="http://schemas.microsoft.com/office/drawing/2010/main" w="9525">
                   <a:solidFill>
                     <a:srgbClr val="000000"/>
                   </a:solidFill>
@@ -2866,7 +2873,7 @@
             </a:ln>
             <a:extLst>
               <a:ext uri="{91240B29-F687-4f45-9708-019B960494DF}">
-                <a14:hiddenLine xmlns:a14="http://schemas.microsoft.com/office/drawing/2010/main" xmlns="" w="9525">
+                <a14:hiddenLine xmlns="" xmlns:a14="http://schemas.microsoft.com/office/drawing/2010/main" w="9525">
                   <a:solidFill>
                     <a:srgbClr val="000000"/>
                   </a:solidFill>
@@ -2928,7 +2935,7 @@
             </a:ln>
             <a:extLst>
               <a:ext uri="{91240B29-F687-4f45-9708-019B960494DF}">
-                <a14:hiddenLine xmlns:a14="http://schemas.microsoft.com/office/drawing/2010/main" xmlns="" w="9525">
+                <a14:hiddenLine xmlns="" xmlns:a14="http://schemas.microsoft.com/office/drawing/2010/main" w="9525">
                   <a:solidFill>
                     <a:srgbClr val="000000"/>
                   </a:solidFill>
@@ -3018,7 +3025,7 @@
             </a:ln>
             <a:extLst>
               <a:ext uri="{91240B29-F687-4f45-9708-019B960494DF}">
-                <a14:hiddenLine xmlns:a14="http://schemas.microsoft.com/office/drawing/2010/main" xmlns="" w="9525">
+                <a14:hiddenLine xmlns="" xmlns:a14="http://schemas.microsoft.com/office/drawing/2010/main" w="9525">
                   <a:solidFill>
                     <a:srgbClr val="000000"/>
                   </a:solidFill>
@@ -3080,7 +3087,7 @@
             </a:ln>
             <a:extLst>
               <a:ext uri="{91240B29-F687-4f45-9708-019B960494DF}">
-                <a14:hiddenLine xmlns:a14="http://schemas.microsoft.com/office/drawing/2010/main" xmlns="" w="9525">
+                <a14:hiddenLine xmlns="" xmlns:a14="http://schemas.microsoft.com/office/drawing/2010/main" w="9525">
                   <a:solidFill>
                     <a:srgbClr val="000000"/>
                   </a:solidFill>
@@ -3170,7 +3177,7 @@
             </a:ln>
             <a:extLst>
               <a:ext uri="{91240B29-F687-4f45-9708-019B960494DF}">
-                <a14:hiddenLine xmlns:a14="http://schemas.microsoft.com/office/drawing/2010/main" xmlns="" w="9525">
+                <a14:hiddenLine xmlns="" xmlns:a14="http://schemas.microsoft.com/office/drawing/2010/main" w="9525">
                   <a:solidFill>
                     <a:srgbClr val="000000"/>
                   </a:solidFill>
@@ -3204,7 +3211,7 @@
             </a:ln>
             <a:extLst>
               <a:ext uri="{91240B29-F687-4f45-9708-019B960494DF}">
-                <a14:hiddenLine xmlns:a14="http://schemas.microsoft.com/office/drawing/2010/main" xmlns="" w="9525">
+                <a14:hiddenLine xmlns="" xmlns:a14="http://schemas.microsoft.com/office/drawing/2010/main" w="9525">
                   <a:solidFill>
                     <a:srgbClr val="000000"/>
                   </a:solidFill>
@@ -3269,7 +3276,7 @@
             </a:ln>
             <a:extLst>
               <a:ext uri="{91240B29-F687-4f45-9708-019B960494DF}">
-                <a14:hiddenLine xmlns:a14="http://schemas.microsoft.com/office/drawing/2010/main" xmlns="" w="9525">
+                <a14:hiddenLine xmlns="" xmlns:a14="http://schemas.microsoft.com/office/drawing/2010/main" w="9525">
                   <a:solidFill>
                     <a:srgbClr val="000000"/>
                   </a:solidFill>
@@ -3359,7 +3366,7 @@
             </a:ln>
             <a:extLst>
               <a:ext uri="{91240B29-F687-4f45-9708-019B960494DF}">
-                <a14:hiddenLine xmlns:a14="http://schemas.microsoft.com/office/drawing/2010/main" xmlns="" w="9525">
+                <a14:hiddenLine xmlns="" xmlns:a14="http://schemas.microsoft.com/office/drawing/2010/main" w="9525">
                   <a:solidFill>
                     <a:srgbClr val="000000"/>
                   </a:solidFill>
@@ -3421,7 +3428,7 @@
             </a:ln>
             <a:extLst>
               <a:ext uri="{91240B29-F687-4f45-9708-019B960494DF}">
-                <a14:hiddenLine xmlns:a14="http://schemas.microsoft.com/office/drawing/2010/main" xmlns="" w="9525">
+                <a14:hiddenLine xmlns="" xmlns:a14="http://schemas.microsoft.com/office/drawing/2010/main" w="9525">
                   <a:solidFill>
                     <a:srgbClr val="000000"/>
                   </a:solidFill>
@@ -3511,7 +3518,7 @@
             </a:ln>
             <a:extLst>
               <a:ext uri="{91240B29-F687-4f45-9708-019B960494DF}">
-                <a14:hiddenLine xmlns:a14="http://schemas.microsoft.com/office/drawing/2010/main" xmlns="" w="9525">
+                <a14:hiddenLine xmlns="" xmlns:a14="http://schemas.microsoft.com/office/drawing/2010/main" w="9525">
                   <a:solidFill>
                     <a:srgbClr val="000000"/>
                   </a:solidFill>
@@ -3601,7 +3608,7 @@
             </a:ln>
             <a:extLst>
               <a:ext uri="{91240B29-F687-4f45-9708-019B960494DF}">
-                <a14:hiddenLine xmlns:a14="http://schemas.microsoft.com/office/drawing/2010/main" xmlns="" w="9525">
+                <a14:hiddenLine xmlns="" xmlns:a14="http://schemas.microsoft.com/office/drawing/2010/main" w="9525">
                   <a:solidFill>
                     <a:srgbClr val="000000"/>
                   </a:solidFill>
@@ -3666,7 +3673,7 @@
             </a:ln>
             <a:extLst>
               <a:ext uri="{91240B29-F687-4f45-9708-019B960494DF}">
-                <a14:hiddenLine xmlns:a14="http://schemas.microsoft.com/office/drawing/2010/main" xmlns="" w="9525">
+                <a14:hiddenLine xmlns="" xmlns:a14="http://schemas.microsoft.com/office/drawing/2010/main" w="9525">
                   <a:solidFill>
                     <a:srgbClr val="000000"/>
                   </a:solidFill>
@@ -3728,7 +3735,7 @@
             </a:ln>
             <a:extLst>
               <a:ext uri="{91240B29-F687-4f45-9708-019B960494DF}">
-                <a14:hiddenLine xmlns:a14="http://schemas.microsoft.com/office/drawing/2010/main" xmlns="" w="9525">
+                <a14:hiddenLine xmlns="" xmlns:a14="http://schemas.microsoft.com/office/drawing/2010/main" w="9525">
                   <a:solidFill>
                     <a:srgbClr val="000000"/>
                   </a:solidFill>
@@ -3818,7 +3825,7 @@
             </a:ln>
             <a:extLst>
               <a:ext uri="{91240B29-F687-4f45-9708-019B960494DF}">
-                <a14:hiddenLine xmlns:a14="http://schemas.microsoft.com/office/drawing/2010/main" xmlns="" w="9525">
+                <a14:hiddenLine xmlns="" xmlns:a14="http://schemas.microsoft.com/office/drawing/2010/main" w="9525">
                   <a:solidFill>
                     <a:srgbClr val="000000"/>
                   </a:solidFill>
@@ -3908,7 +3915,7 @@
             </a:ln>
             <a:extLst>
               <a:ext uri="{91240B29-F687-4f45-9708-019B960494DF}">
-                <a14:hiddenLine xmlns:a14="http://schemas.microsoft.com/office/drawing/2010/main" xmlns="" w="9525">
+                <a14:hiddenLine xmlns="" xmlns:a14="http://schemas.microsoft.com/office/drawing/2010/main" w="9525">
                   <a:solidFill>
                     <a:srgbClr val="000000"/>
                   </a:solidFill>
@@ -3970,7 +3977,7 @@
             </a:ln>
             <a:extLst>
               <a:ext uri="{91240B29-F687-4f45-9708-019B960494DF}">
-                <a14:hiddenLine xmlns:a14="http://schemas.microsoft.com/office/drawing/2010/main" xmlns="" w="9525">
+                <a14:hiddenLine xmlns="" xmlns:a14="http://schemas.microsoft.com/office/drawing/2010/main" w="9525">
                   <a:solidFill>
                     <a:srgbClr val="000000"/>
                   </a:solidFill>
@@ -4090,7 +4097,7 @@
             </a:ln>
             <a:extLst>
               <a:ext uri="{91240B29-F687-4f45-9708-019B960494DF}">
-                <a14:hiddenLine xmlns:a14="http://schemas.microsoft.com/office/drawing/2010/main" xmlns="" w="9525">
+                <a14:hiddenLine xmlns="" xmlns:a14="http://schemas.microsoft.com/office/drawing/2010/main" w="9525">
                   <a:solidFill>
                     <a:srgbClr val="000000"/>
                   </a:solidFill>
@@ -4158,7 +4165,7 @@
             </a:ln>
             <a:extLst>
               <a:ext uri="{91240B29-F687-4f45-9708-019B960494DF}">
-                <a14:hiddenLine xmlns:a14="http://schemas.microsoft.com/office/drawing/2010/main" xmlns="" w="9525">
+                <a14:hiddenLine xmlns="" xmlns:a14="http://schemas.microsoft.com/office/drawing/2010/main" w="9525">
                   <a:solidFill>
                     <a:srgbClr val="000000"/>
                   </a:solidFill>
@@ -4248,7 +4255,7 @@
             </a:ln>
             <a:extLst>
               <a:ext uri="{91240B29-F687-4f45-9708-019B960494DF}">
-                <a14:hiddenLine xmlns:a14="http://schemas.microsoft.com/office/drawing/2010/main" xmlns="" w="9525">
+                <a14:hiddenLine xmlns="" xmlns:a14="http://schemas.microsoft.com/office/drawing/2010/main" w="9525">
                   <a:solidFill>
                     <a:srgbClr val="000000"/>
                   </a:solidFill>
@@ -4388,7 +4395,7 @@
           <a:p>
             <a:fld id="{4E9C1491-40A2-4F36-B6A5-7CABD446E072}" type="datetimeFigureOut">
               <a:rPr lang="it-IT" smtClean="0"/>
-              <a:t>16/07/2018</a:t>
+              <a:t>17/07/2018</a:t>
             </a:fld>
             <a:endParaRPr lang="it-IT"/>
           </a:p>
@@ -4655,7 +4662,7 @@
           <a:p>
             <a:fld id="{4E9C1491-40A2-4F36-B6A5-7CABD446E072}" type="datetimeFigureOut">
               <a:rPr lang="it-IT" smtClean="0"/>
-              <a:t>16/07/2018</a:t>
+              <a:t>17/07/2018</a:t>
             </a:fld>
             <a:endParaRPr lang="it-IT"/>
           </a:p>
@@ -4851,7 +4858,7 @@
           <a:p>
             <a:fld id="{4E9C1491-40A2-4F36-B6A5-7CABD446E072}" type="datetimeFigureOut">
               <a:rPr lang="it-IT" smtClean="0"/>
-              <a:t>16/07/2018</a:t>
+              <a:t>17/07/2018</a:t>
             </a:fld>
             <a:endParaRPr lang="it-IT"/>
           </a:p>
@@ -5114,7 +5121,7 @@
           <a:p>
             <a:fld id="{4E9C1491-40A2-4F36-B6A5-7CABD446E072}" type="datetimeFigureOut">
               <a:rPr lang="it-IT" smtClean="0"/>
-              <a:t>16/07/2018</a:t>
+              <a:t>17/07/2018</a:t>
             </a:fld>
             <a:endParaRPr lang="it-IT"/>
           </a:p>
@@ -5548,7 +5555,7 @@
           <a:p>
             <a:fld id="{4E9C1491-40A2-4F36-B6A5-7CABD446E072}" type="datetimeFigureOut">
               <a:rPr lang="it-IT" smtClean="0"/>
-              <a:t>16/07/2018</a:t>
+              <a:t>17/07/2018</a:t>
             </a:fld>
             <a:endParaRPr lang="it-IT"/>
           </a:p>
@@ -6094,7 +6101,7 @@
           <a:p>
             <a:fld id="{4E9C1491-40A2-4F36-B6A5-7CABD446E072}" type="datetimeFigureOut">
               <a:rPr lang="it-IT" smtClean="0"/>
-              <a:t>16/07/2018</a:t>
+              <a:t>17/07/2018</a:t>
             </a:fld>
             <a:endParaRPr lang="it-IT"/>
           </a:p>
@@ -6814,7 +6821,7 @@
           <a:p>
             <a:fld id="{4E9C1491-40A2-4F36-B6A5-7CABD446E072}" type="datetimeFigureOut">
               <a:rPr lang="it-IT" smtClean="0"/>
-              <a:t>16/07/2018</a:t>
+              <a:t>17/07/2018</a:t>
             </a:fld>
             <a:endParaRPr lang="it-IT"/>
           </a:p>
@@ -6984,7 +6991,7 @@
           <a:p>
             <a:fld id="{4E9C1491-40A2-4F36-B6A5-7CABD446E072}" type="datetimeFigureOut">
               <a:rPr lang="it-IT" smtClean="0"/>
-              <a:t>16/07/2018</a:t>
+              <a:t>17/07/2018</a:t>
             </a:fld>
             <a:endParaRPr lang="it-IT"/>
           </a:p>
@@ -7164,7 +7171,7 @@
           <a:p>
             <a:fld id="{4E9C1491-40A2-4F36-B6A5-7CABD446E072}" type="datetimeFigureOut">
               <a:rPr lang="it-IT" smtClean="0"/>
-              <a:t>16/07/2018</a:t>
+              <a:t>17/07/2018</a:t>
             </a:fld>
             <a:endParaRPr lang="it-IT"/>
           </a:p>
@@ -7334,7 +7341,7 @@
           <a:p>
             <a:fld id="{4E9C1491-40A2-4F36-B6A5-7CABD446E072}" type="datetimeFigureOut">
               <a:rPr lang="it-IT" smtClean="0"/>
-              <a:t>16/07/2018</a:t>
+              <a:t>17/07/2018</a:t>
             </a:fld>
             <a:endParaRPr lang="it-IT"/>
           </a:p>
@@ -7584,7 +7591,7 @@
           <a:p>
             <a:fld id="{4E9C1491-40A2-4F36-B6A5-7CABD446E072}" type="datetimeFigureOut">
               <a:rPr lang="it-IT" smtClean="0"/>
-              <a:t>16/07/2018</a:t>
+              <a:t>17/07/2018</a:t>
             </a:fld>
             <a:endParaRPr lang="it-IT"/>
           </a:p>
@@ -7816,7 +7823,7 @@
           <a:p>
             <a:fld id="{4E9C1491-40A2-4F36-B6A5-7CABD446E072}" type="datetimeFigureOut">
               <a:rPr lang="it-IT" smtClean="0"/>
-              <a:t>16/07/2018</a:t>
+              <a:t>17/07/2018</a:t>
             </a:fld>
             <a:endParaRPr lang="it-IT"/>
           </a:p>
@@ -8197,7 +8204,7 @@
           <a:p>
             <a:fld id="{4E9C1491-40A2-4F36-B6A5-7CABD446E072}" type="datetimeFigureOut">
               <a:rPr lang="it-IT" smtClean="0"/>
-              <a:t>16/07/2018</a:t>
+              <a:t>17/07/2018</a:t>
             </a:fld>
             <a:endParaRPr lang="it-IT"/>
           </a:p>
@@ -8315,7 +8322,7 @@
           <a:p>
             <a:fld id="{4E9C1491-40A2-4F36-B6A5-7CABD446E072}" type="datetimeFigureOut">
               <a:rPr lang="it-IT" smtClean="0"/>
-              <a:t>16/07/2018</a:t>
+              <a:t>17/07/2018</a:t>
             </a:fld>
             <a:endParaRPr lang="it-IT"/>
           </a:p>
@@ -8410,7 +8417,7 @@
           <a:p>
             <a:fld id="{4E9C1491-40A2-4F36-B6A5-7CABD446E072}" type="datetimeFigureOut">
               <a:rPr lang="it-IT" smtClean="0"/>
-              <a:t>16/07/2018</a:t>
+              <a:t>17/07/2018</a:t>
             </a:fld>
             <a:endParaRPr lang="it-IT"/>
           </a:p>
@@ -8659,7 +8666,7 @@
           <a:p>
             <a:fld id="{4E9C1491-40A2-4F36-B6A5-7CABD446E072}" type="datetimeFigureOut">
               <a:rPr lang="it-IT" smtClean="0"/>
-              <a:t>16/07/2018</a:t>
+              <a:t>17/07/2018</a:t>
             </a:fld>
             <a:endParaRPr lang="it-IT"/>
           </a:p>
@@ -8939,7 +8946,7 @@
           <a:p>
             <a:fld id="{4E9C1491-40A2-4F36-B6A5-7CABD446E072}" type="datetimeFigureOut">
               <a:rPr lang="it-IT" smtClean="0"/>
-              <a:t>16/07/2018</a:t>
+              <a:t>17/07/2018</a:t>
             </a:fld>
             <a:endParaRPr lang="it-IT"/>
           </a:p>
@@ -9055,7 +9062,7 @@
           <a:noFill/>
           <a:extLst>
             <a:ext uri="{909E8E84-426E-40dd-AFC4-6F175D3DCCD1}">
-              <a14:hiddenFill xmlns:a14="http://schemas.microsoft.com/office/drawing/2010/main" xmlns="">
+              <a14:hiddenFill xmlns="" xmlns:a14="http://schemas.microsoft.com/office/drawing/2010/main">
                 <a:solidFill>
                   <a:srgbClr val="FFFFFF"/>
                 </a:solidFill>
@@ -9129,7 +9136,7 @@
               </a:ln>
               <a:extLst>
                 <a:ext uri="{91240B29-F687-4f45-9708-019B960494DF}">
-                  <a14:hiddenLine xmlns:a14="http://schemas.microsoft.com/office/drawing/2010/main" xmlns="" w="9525">
+                  <a14:hiddenLine xmlns="" xmlns:a14="http://schemas.microsoft.com/office/drawing/2010/main" w="9525">
                     <a:solidFill>
                       <a:srgbClr val="000000"/>
                     </a:solidFill>
@@ -9219,7 +9226,7 @@
               </a:ln>
               <a:extLst>
                 <a:ext uri="{91240B29-F687-4f45-9708-019B960494DF}">
-                  <a14:hiddenLine xmlns:a14="http://schemas.microsoft.com/office/drawing/2010/main" xmlns="" w="9525">
+                  <a14:hiddenLine xmlns="" xmlns:a14="http://schemas.microsoft.com/office/drawing/2010/main" w="9525">
                     <a:solidFill>
                       <a:srgbClr val="000000"/>
                     </a:solidFill>
@@ -9309,7 +9316,7 @@
               </a:ln>
               <a:extLst>
                 <a:ext uri="{91240B29-F687-4f45-9708-019B960494DF}">
-                  <a14:hiddenLine xmlns:a14="http://schemas.microsoft.com/office/drawing/2010/main" xmlns="" w="9525">
+                  <a14:hiddenLine xmlns="" xmlns:a14="http://schemas.microsoft.com/office/drawing/2010/main" w="9525">
                     <a:solidFill>
                       <a:srgbClr val="000000"/>
                     </a:solidFill>
@@ -9371,7 +9378,7 @@
               </a:ln>
               <a:extLst>
                 <a:ext uri="{91240B29-F687-4f45-9708-019B960494DF}">
-                  <a14:hiddenLine xmlns:a14="http://schemas.microsoft.com/office/drawing/2010/main" xmlns="" w="9525">
+                  <a14:hiddenLine xmlns="" xmlns:a14="http://schemas.microsoft.com/office/drawing/2010/main" w="9525">
                     <a:solidFill>
                       <a:srgbClr val="000000"/>
                     </a:solidFill>
@@ -9461,7 +9468,7 @@
               </a:ln>
               <a:extLst>
                 <a:ext uri="{91240B29-F687-4f45-9708-019B960494DF}">
-                  <a14:hiddenLine xmlns:a14="http://schemas.microsoft.com/office/drawing/2010/main" xmlns="" w="9525">
+                  <a14:hiddenLine xmlns="" xmlns:a14="http://schemas.microsoft.com/office/drawing/2010/main" w="9525">
                     <a:solidFill>
                       <a:srgbClr val="000000"/>
                     </a:solidFill>
@@ -9523,7 +9530,7 @@
               </a:ln>
               <a:extLst>
                 <a:ext uri="{91240B29-F687-4f45-9708-019B960494DF}">
-                  <a14:hiddenLine xmlns:a14="http://schemas.microsoft.com/office/drawing/2010/main" xmlns="" w="9525">
+                  <a14:hiddenLine xmlns="" xmlns:a14="http://schemas.microsoft.com/office/drawing/2010/main" w="9525">
                     <a:solidFill>
                       <a:srgbClr val="000000"/>
                     </a:solidFill>
@@ -9585,7 +9592,7 @@
               </a:ln>
               <a:extLst>
                 <a:ext uri="{91240B29-F687-4f45-9708-019B960494DF}">
-                  <a14:hiddenLine xmlns:a14="http://schemas.microsoft.com/office/drawing/2010/main" xmlns="" w="9525">
+                  <a14:hiddenLine xmlns="" xmlns:a14="http://schemas.microsoft.com/office/drawing/2010/main" w="9525">
                     <a:solidFill>
                       <a:srgbClr val="000000"/>
                     </a:solidFill>
@@ -9675,7 +9682,7 @@
               </a:ln>
               <a:extLst>
                 <a:ext uri="{91240B29-F687-4f45-9708-019B960494DF}">
-                  <a14:hiddenLine xmlns:a14="http://schemas.microsoft.com/office/drawing/2010/main" xmlns="" w="9525">
+                  <a14:hiddenLine xmlns="" xmlns:a14="http://schemas.microsoft.com/office/drawing/2010/main" w="9525">
                     <a:solidFill>
                       <a:srgbClr val="000000"/>
                     </a:solidFill>
@@ -9765,7 +9772,7 @@
               </a:ln>
               <a:extLst>
                 <a:ext uri="{91240B29-F687-4f45-9708-019B960494DF}">
-                  <a14:hiddenLine xmlns:a14="http://schemas.microsoft.com/office/drawing/2010/main" xmlns="" w="9525">
+                  <a14:hiddenLine xmlns="" xmlns:a14="http://schemas.microsoft.com/office/drawing/2010/main" w="9525">
                     <a:solidFill>
                       <a:srgbClr val="000000"/>
                     </a:solidFill>
@@ -9827,7 +9834,7 @@
               </a:ln>
               <a:extLst>
                 <a:ext uri="{91240B29-F687-4f45-9708-019B960494DF}">
-                  <a14:hiddenLine xmlns:a14="http://schemas.microsoft.com/office/drawing/2010/main" xmlns="" w="9525">
+                  <a14:hiddenLine xmlns="" xmlns:a14="http://schemas.microsoft.com/office/drawing/2010/main" w="9525">
                     <a:solidFill>
                       <a:srgbClr val="000000"/>
                     </a:solidFill>
@@ -9937,7 +9944,7 @@
               </a:ln>
               <a:extLst>
                 <a:ext uri="{91240B29-F687-4f45-9708-019B960494DF}">
-                  <a14:hiddenLine xmlns:a14="http://schemas.microsoft.com/office/drawing/2010/main" xmlns="" w="9525">
+                  <a14:hiddenLine xmlns="" xmlns:a14="http://schemas.microsoft.com/office/drawing/2010/main" w="9525">
                     <a:solidFill>
                       <a:srgbClr val="000000"/>
                     </a:solidFill>
@@ -10021,7 +10028,7 @@
               </a:ln>
               <a:extLst>
                 <a:ext uri="{91240B29-F687-4f45-9708-019B960494DF}">
-                  <a14:hiddenLine xmlns:a14="http://schemas.microsoft.com/office/drawing/2010/main" xmlns="" w="9525">
+                  <a14:hiddenLine xmlns="" xmlns:a14="http://schemas.microsoft.com/office/drawing/2010/main" w="9525">
                     <a:solidFill>
                       <a:srgbClr val="000000"/>
                     </a:solidFill>
@@ -10083,7 +10090,7 @@
               </a:ln>
               <a:extLst>
                 <a:ext uri="{91240B29-F687-4f45-9708-019B960494DF}">
-                  <a14:hiddenLine xmlns:a14="http://schemas.microsoft.com/office/drawing/2010/main" xmlns="" w="9525">
+                  <a14:hiddenLine xmlns="" xmlns:a14="http://schemas.microsoft.com/office/drawing/2010/main" w="9525">
                     <a:solidFill>
                       <a:srgbClr val="000000"/>
                     </a:solidFill>
@@ -10145,7 +10152,7 @@
               </a:ln>
               <a:extLst>
                 <a:ext uri="{91240B29-F687-4f45-9708-019B960494DF}">
-                  <a14:hiddenLine xmlns:a14="http://schemas.microsoft.com/office/drawing/2010/main" xmlns="" w="9525">
+                  <a14:hiddenLine xmlns="" xmlns:a14="http://schemas.microsoft.com/office/drawing/2010/main" w="9525">
                     <a:solidFill>
                       <a:srgbClr val="000000"/>
                     </a:solidFill>
@@ -10235,7 +10242,7 @@
               </a:ln>
               <a:extLst>
                 <a:ext uri="{91240B29-F687-4f45-9708-019B960494DF}">
-                  <a14:hiddenLine xmlns:a14="http://schemas.microsoft.com/office/drawing/2010/main" xmlns="" w="9525">
+                  <a14:hiddenLine xmlns="" xmlns:a14="http://schemas.microsoft.com/office/drawing/2010/main" w="9525">
                     <a:solidFill>
                       <a:srgbClr val="000000"/>
                     </a:solidFill>
@@ -10269,7 +10276,7 @@
               </a:ln>
               <a:extLst>
                 <a:ext uri="{91240B29-F687-4f45-9708-019B960494DF}">
-                  <a14:hiddenLine xmlns:a14="http://schemas.microsoft.com/office/drawing/2010/main" xmlns="" w="9525">
+                  <a14:hiddenLine xmlns="" xmlns:a14="http://schemas.microsoft.com/office/drawing/2010/main" w="9525">
                     <a:solidFill>
                       <a:srgbClr val="000000"/>
                     </a:solidFill>
@@ -10334,7 +10341,7 @@
               </a:ln>
               <a:extLst>
                 <a:ext uri="{91240B29-F687-4f45-9708-019B960494DF}">
-                  <a14:hiddenLine xmlns:a14="http://schemas.microsoft.com/office/drawing/2010/main" xmlns="" w="9525">
+                  <a14:hiddenLine xmlns="" xmlns:a14="http://schemas.microsoft.com/office/drawing/2010/main" w="9525">
                     <a:solidFill>
                       <a:srgbClr val="000000"/>
                     </a:solidFill>
@@ -10424,7 +10431,7 @@
               </a:ln>
               <a:extLst>
                 <a:ext uri="{91240B29-F687-4f45-9708-019B960494DF}">
-                  <a14:hiddenLine xmlns:a14="http://schemas.microsoft.com/office/drawing/2010/main" xmlns="" w="9525">
+                  <a14:hiddenLine xmlns="" xmlns:a14="http://schemas.microsoft.com/office/drawing/2010/main" w="9525">
                     <a:solidFill>
                       <a:srgbClr val="000000"/>
                     </a:solidFill>
@@ -10486,7 +10493,7 @@
               </a:ln>
               <a:extLst>
                 <a:ext uri="{91240B29-F687-4f45-9708-019B960494DF}">
-                  <a14:hiddenLine xmlns:a14="http://schemas.microsoft.com/office/drawing/2010/main" xmlns="" w="9525">
+                  <a14:hiddenLine xmlns="" xmlns:a14="http://schemas.microsoft.com/office/drawing/2010/main" w="9525">
                     <a:solidFill>
                       <a:srgbClr val="000000"/>
                     </a:solidFill>
@@ -10576,7 +10583,7 @@
               </a:ln>
               <a:extLst>
                 <a:ext uri="{91240B29-F687-4f45-9708-019B960494DF}">
-                  <a14:hiddenLine xmlns:a14="http://schemas.microsoft.com/office/drawing/2010/main" xmlns="" w="9525">
+                  <a14:hiddenLine xmlns="" xmlns:a14="http://schemas.microsoft.com/office/drawing/2010/main" w="9525">
                     <a:solidFill>
                       <a:srgbClr val="000000"/>
                     </a:solidFill>
@@ -10641,7 +10648,7 @@
               </a:ln>
               <a:extLst>
                 <a:ext uri="{91240B29-F687-4f45-9708-019B960494DF}">
-                  <a14:hiddenLine xmlns:a14="http://schemas.microsoft.com/office/drawing/2010/main" xmlns="" w="9525">
+                  <a14:hiddenLine xmlns="" xmlns:a14="http://schemas.microsoft.com/office/drawing/2010/main" w="9525">
                     <a:solidFill>
                       <a:srgbClr val="000000"/>
                     </a:solidFill>
@@ -10703,7 +10710,7 @@
               </a:ln>
               <a:extLst>
                 <a:ext uri="{91240B29-F687-4f45-9708-019B960494DF}">
-                  <a14:hiddenLine xmlns:a14="http://schemas.microsoft.com/office/drawing/2010/main" xmlns="" w="9525">
+                  <a14:hiddenLine xmlns="" xmlns:a14="http://schemas.microsoft.com/office/drawing/2010/main" w="9525">
                     <a:solidFill>
                       <a:srgbClr val="000000"/>
                     </a:solidFill>
@@ -10793,7 +10800,7 @@
               </a:ln>
               <a:extLst>
                 <a:ext uri="{91240B29-F687-4f45-9708-019B960494DF}">
-                  <a14:hiddenLine xmlns:a14="http://schemas.microsoft.com/office/drawing/2010/main" xmlns="" w="9525">
+                  <a14:hiddenLine xmlns="" xmlns:a14="http://schemas.microsoft.com/office/drawing/2010/main" w="9525">
                     <a:solidFill>
                       <a:srgbClr val="000000"/>
                     </a:solidFill>
@@ -10883,7 +10890,7 @@
               </a:ln>
               <a:extLst>
                 <a:ext uri="{91240B29-F687-4f45-9708-019B960494DF}">
-                  <a14:hiddenLine xmlns:a14="http://schemas.microsoft.com/office/drawing/2010/main" xmlns="" w="9525">
+                  <a14:hiddenLine xmlns="" xmlns:a14="http://schemas.microsoft.com/office/drawing/2010/main" w="9525">
                     <a:solidFill>
                       <a:srgbClr val="000000"/>
                     </a:solidFill>
@@ -10948,7 +10955,7 @@
               </a:ln>
               <a:extLst>
                 <a:ext uri="{91240B29-F687-4f45-9708-019B960494DF}">
-                  <a14:hiddenLine xmlns:a14="http://schemas.microsoft.com/office/drawing/2010/main" xmlns="" w="9525">
+                  <a14:hiddenLine xmlns="" xmlns:a14="http://schemas.microsoft.com/office/drawing/2010/main" w="9525">
                     <a:solidFill>
                       <a:srgbClr val="000000"/>
                     </a:solidFill>
@@ -11068,7 +11075,7 @@
               </a:ln>
               <a:extLst>
                 <a:ext uri="{91240B29-F687-4f45-9708-019B960494DF}">
-                  <a14:hiddenLine xmlns:a14="http://schemas.microsoft.com/office/drawing/2010/main" xmlns="" w="9525">
+                  <a14:hiddenLine xmlns="" xmlns:a14="http://schemas.microsoft.com/office/drawing/2010/main" w="9525">
                     <a:solidFill>
                       <a:srgbClr val="000000"/>
                     </a:solidFill>
@@ -11166,7 +11173,7 @@
               </a:ln>
               <a:extLst>
                 <a:ext uri="{91240B29-F687-4f45-9708-019B960494DF}">
-                  <a14:hiddenLine xmlns:a14="http://schemas.microsoft.com/office/drawing/2010/main" xmlns="" w="9525">
+                  <a14:hiddenLine xmlns="" xmlns:a14="http://schemas.microsoft.com/office/drawing/2010/main" w="9525">
                     <a:solidFill>
                       <a:srgbClr val="000000"/>
                     </a:solidFill>
@@ -11281,7 +11288,7 @@
               </a:ln>
               <a:extLst>
                 <a:ext uri="{91240B29-F687-4f45-9708-019B960494DF}">
-                  <a14:hiddenLine xmlns:a14="http://schemas.microsoft.com/office/drawing/2010/main" xmlns="" w="9525">
+                  <a14:hiddenLine xmlns="" xmlns:a14="http://schemas.microsoft.com/office/drawing/2010/main" w="9525">
                     <a:solidFill>
                       <a:srgbClr val="000000"/>
                     </a:solidFill>
@@ -11371,7 +11378,7 @@
               </a:ln>
               <a:extLst>
                 <a:ext uri="{91240B29-F687-4f45-9708-019B960494DF}">
-                  <a14:hiddenLine xmlns:a14="http://schemas.microsoft.com/office/drawing/2010/main" xmlns="" w="9525">
+                  <a14:hiddenLine xmlns="" xmlns:a14="http://schemas.microsoft.com/office/drawing/2010/main" w="9525">
                     <a:solidFill>
                       <a:srgbClr val="000000"/>
                     </a:solidFill>
@@ -11436,7 +11443,7 @@
               </a:ln>
               <a:extLst>
                 <a:ext uri="{91240B29-F687-4f45-9708-019B960494DF}">
-                  <a14:hiddenLine xmlns:a14="http://schemas.microsoft.com/office/drawing/2010/main" xmlns="" w="9525">
+                  <a14:hiddenLine xmlns="" xmlns:a14="http://schemas.microsoft.com/office/drawing/2010/main" w="9525">
                     <a:solidFill>
                       <a:srgbClr val="000000"/>
                     </a:solidFill>
@@ -11526,7 +11533,7 @@
               </a:ln>
               <a:extLst>
                 <a:ext uri="{91240B29-F687-4f45-9708-019B960494DF}">
-                  <a14:hiddenLine xmlns:a14="http://schemas.microsoft.com/office/drawing/2010/main" xmlns="" w="9525">
+                  <a14:hiddenLine xmlns="" xmlns:a14="http://schemas.microsoft.com/office/drawing/2010/main" w="9525">
                     <a:solidFill>
                       <a:srgbClr val="000000"/>
                     </a:solidFill>
@@ -11594,7 +11601,7 @@
               </a:ln>
               <a:extLst>
                 <a:ext uri="{91240B29-F687-4f45-9708-019B960494DF}">
-                  <a14:hiddenLine xmlns:a14="http://schemas.microsoft.com/office/drawing/2010/main" xmlns="" w="9525">
+                  <a14:hiddenLine xmlns="" xmlns:a14="http://schemas.microsoft.com/office/drawing/2010/main" w="9525">
                     <a:solidFill>
                       <a:srgbClr val="000000"/>
                     </a:solidFill>
@@ -11684,7 +11691,7 @@
               </a:ln>
               <a:extLst>
                 <a:ext uri="{91240B29-F687-4f45-9708-019B960494DF}">
-                  <a14:hiddenLine xmlns:a14="http://schemas.microsoft.com/office/drawing/2010/main" xmlns="" w="9525">
+                  <a14:hiddenLine xmlns="" xmlns:a14="http://schemas.microsoft.com/office/drawing/2010/main" w="9525">
                     <a:solidFill>
                       <a:srgbClr val="000000"/>
                     </a:solidFill>
@@ -11752,7 +11759,7 @@
               </a:ln>
               <a:extLst>
                 <a:ext uri="{91240B29-F687-4f45-9708-019B960494DF}">
-                  <a14:hiddenLine xmlns:a14="http://schemas.microsoft.com/office/drawing/2010/main" xmlns="" w="9525">
+                  <a14:hiddenLine xmlns="" xmlns:a14="http://schemas.microsoft.com/office/drawing/2010/main" w="9525">
                     <a:solidFill>
                       <a:srgbClr val="000000"/>
                     </a:solidFill>
@@ -11842,7 +11849,7 @@
               </a:ln>
               <a:extLst>
                 <a:ext uri="{91240B29-F687-4f45-9708-019B960494DF}">
-                  <a14:hiddenLine xmlns:a14="http://schemas.microsoft.com/office/drawing/2010/main" xmlns="" w="9525">
+                  <a14:hiddenLine xmlns="" xmlns:a14="http://schemas.microsoft.com/office/drawing/2010/main" w="9525">
                     <a:solidFill>
                       <a:srgbClr val="000000"/>
                     </a:solidFill>
@@ -11876,7 +11883,7 @@
               </a:ln>
               <a:extLst>
                 <a:ext uri="{91240B29-F687-4f45-9708-019B960494DF}">
-                  <a14:hiddenLine xmlns:a14="http://schemas.microsoft.com/office/drawing/2010/main" xmlns="" w="9525">
+                  <a14:hiddenLine xmlns="" xmlns:a14="http://schemas.microsoft.com/office/drawing/2010/main" w="9525">
                     <a:solidFill>
                       <a:srgbClr val="000000"/>
                     </a:solidFill>
@@ -12016,7 +12023,7 @@
           <a:p>
             <a:fld id="{4E9C1491-40A2-4F36-B6A5-7CABD446E072}" type="datetimeFigureOut">
               <a:rPr lang="it-IT" smtClean="0"/>
-              <a:t>16/07/2018</a:t>
+              <a:t>17/07/2018</a:t>
             </a:fld>
             <a:endParaRPr lang="it-IT"/>
           </a:p>
@@ -12499,7 +12506,7 @@
             </a:br>
             <a:r>
               <a:rPr lang="it-IT" dirty="0"/>
-              <a:t>Luglio 2018</a:t>
+              <a:t>Maggio - Luglio 2018</a:t>
             </a:r>
           </a:p>
         </p:txBody>
@@ -13661,7 +13668,7 @@
         </p:nvSpPr>
         <p:spPr>
           <a:xfrm>
-            <a:off x="1146705" y="941093"/>
+            <a:off x="1146705" y="700024"/>
             <a:ext cx="3856037" cy="1308392"/>
           </a:xfrm>
         </p:spPr>
@@ -13671,7 +13678,7 @@
           <a:p>
             <a:r>
               <a:rPr lang="it-IT" dirty="0"/>
-              <a:t>La nostra struttura</a:t>
+              <a:t>struttura adottata</a:t>
             </a:r>
           </a:p>
         </p:txBody>
@@ -13727,14 +13734,19 @@
             <p:ph type="body" sz="half" idx="2"/>
           </p:nvPr>
         </p:nvSpPr>
-        <p:spPr/>
+        <p:spPr>
+          <a:xfrm>
+            <a:off x="1146705" y="2008416"/>
+            <a:ext cx="3856037" cy="3541714"/>
+          </a:xfrm>
+        </p:spPr>
         <p:txBody>
           <a:bodyPr/>
           <a:lstStyle/>
           <a:p>
             <a:r>
               <a:rPr lang="it-IT" dirty="0"/>
-              <a:t>La struttura che è stata adottata per realizzare il sistema è la seguente; si può suddividere il sistema in tre grandi moduli:</a:t>
+              <a:t>La struttura che è stata scelta per realizzare il sistema è illustrata a lato; si può suddividere il sistema in tre grandi moduli:</a:t>
             </a:r>
           </a:p>
           <a:p>
@@ -13771,7 +13783,21 @@
             </a:pPr>
             <a:r>
               <a:rPr lang="it-IT" dirty="0"/>
-              <a:t>Modulo di visualizzazione dei dati</a:t>
+              <a:t>Modulo per la visualizzazione dei dati</a:t>
+            </a:r>
+          </a:p>
+          <a:p>
+            <a:r>
+              <a:rPr lang="it-IT" dirty="0"/>
+              <a:t>I moduli sono stati realizzati in container tramite Docker; il modulo di </a:t>
+            </a:r>
+            <a:r>
+              <a:rPr lang="it-IT" dirty="0" err="1"/>
+              <a:t>backend</a:t>
+            </a:r>
+            <a:r>
+              <a:rPr lang="it-IT" dirty="0"/>
+              <a:t> e quello per la visualizzazione dei dati sono riuniti all’interno dello stesso container.</a:t>
             </a:r>
           </a:p>
         </p:txBody>
@@ -14164,6 +14190,549 @@
     <p:extLst>
       <p:ext uri="{BB962C8B-B14F-4D97-AF65-F5344CB8AC3E}">
         <p14:creationId xmlns:p14="http://schemas.microsoft.com/office/powerpoint/2010/main" val="476615156"/>
+      </p:ext>
+    </p:extLst>
+  </p:cSld>
+  <p:clrMapOvr>
+    <a:masterClrMapping/>
+  </p:clrMapOvr>
+</p:sld>
+</file>
+
+<file path=ppt/slides/slide7.xml><?xml version="1.0" encoding="utf-8"?>
+<p:sld xmlns:a="http://schemas.openxmlformats.org/drawingml/2006/main" xmlns:r="http://schemas.openxmlformats.org/officeDocument/2006/relationships" xmlns:p="http://schemas.openxmlformats.org/presentationml/2006/main">
+  <p:cSld>
+    <p:spTree>
+      <p:nvGrpSpPr>
+        <p:cNvPr id="1" name=""/>
+        <p:cNvGrpSpPr/>
+        <p:nvPr/>
+      </p:nvGrpSpPr>
+      <p:grpSpPr>
+        <a:xfrm>
+          <a:off x="0" y="0"/>
+          <a:ext cx="0" cy="0"/>
+          <a:chOff x="0" y="0"/>
+          <a:chExt cx="0" cy="0"/>
+        </a:xfrm>
+      </p:grpSpPr>
+      <p:pic>
+        <p:nvPicPr>
+          <p:cNvPr id="2" name="Segnaposto contenuto 5">
+            <a:extLst>
+              <a:ext uri="{FF2B5EF4-FFF2-40B4-BE49-F238E27FC236}">
+                <a16:creationId xmlns:a16="http://schemas.microsoft.com/office/drawing/2014/main" id="{324A4197-3B2B-4C00-9D8B-96BF2A4F2457}"/>
+              </a:ext>
+            </a:extLst>
+          </p:cNvPr>
+          <p:cNvPicPr>
+            <a:picLocks noChangeAspect="1"/>
+          </p:cNvPicPr>
+          <p:nvPr/>
+        </p:nvPicPr>
+        <p:blipFill rotWithShape="1">
+          <a:blip r:embed="rId2">
+            <a:extLst>
+              <a:ext uri="{28A0092B-C50C-407E-A947-70E740481C1C}">
+                <a14:useLocalDpi xmlns:a14="http://schemas.microsoft.com/office/drawing/2010/main" val="0"/>
+              </a:ext>
+            </a:extLst>
+          </a:blip>
+          <a:srcRect l="26629" t="63859" r="5358"/>
+          <a:stretch/>
+        </p:blipFill>
+        <p:spPr>
+          <a:xfrm>
+            <a:off x="7431578" y="1802299"/>
+            <a:ext cx="4006736" cy="1626701"/>
+          </a:xfrm>
+          <a:prstGeom prst="rect">
+            <a:avLst/>
+          </a:prstGeom>
+        </p:spPr>
+      </p:pic>
+      <p:sp>
+        <p:nvSpPr>
+          <p:cNvPr id="3" name="Titolo 1">
+            <a:extLst>
+              <a:ext uri="{FF2B5EF4-FFF2-40B4-BE49-F238E27FC236}">
+                <a16:creationId xmlns:a16="http://schemas.microsoft.com/office/drawing/2014/main" id="{1C935328-C78C-4136-AEDC-1B2F70084C4C}"/>
+              </a:ext>
+            </a:extLst>
+          </p:cNvPr>
+          <p:cNvSpPr txBox="1">
+            <a:spLocks/>
+          </p:cNvSpPr>
+          <p:nvPr/>
+        </p:nvSpPr>
+        <p:spPr>
+          <a:xfrm>
+            <a:off x="1498859" y="701644"/>
+            <a:ext cx="5483831" cy="669955"/>
+          </a:xfrm>
+          <a:prstGeom prst="rect">
+            <a:avLst/>
+          </a:prstGeom>
+        </p:spPr>
+        <p:txBody>
+          <a:bodyPr/>
+          <a:lstStyle>
+            <a:lvl1pPr algn="l" defTabSz="914400" rtl="0" eaLnBrk="1" latinLnBrk="0" hangingPunct="1">
+              <a:lnSpc>
+                <a:spcPct val="90000"/>
+              </a:lnSpc>
+              <a:spcBef>
+                <a:spcPct val="0"/>
+              </a:spcBef>
+              <a:buNone/>
+              <a:defRPr sz="3600" kern="1200" cap="all" baseline="0">
+                <a:solidFill>
+                  <a:schemeClr val="tx1"/>
+                </a:solidFill>
+                <a:latin typeface="+mj-lt"/>
+                <a:ea typeface="+mj-ea"/>
+                <a:cs typeface="+mj-cs"/>
+              </a:defRPr>
+            </a:lvl1pPr>
+          </a:lstStyle>
+          <a:p>
+            <a:r>
+              <a:rPr lang="it-IT" dirty="0"/>
+              <a:t>Modulo di </a:t>
+            </a:r>
+            <a:r>
+              <a:rPr lang="it-IT" dirty="0" err="1"/>
+              <a:t>backend</a:t>
+            </a:r>
+            <a:endParaRPr lang="it-IT" dirty="0"/>
+          </a:p>
+        </p:txBody>
+      </p:sp>
+      <p:sp>
+        <p:nvSpPr>
+          <p:cNvPr id="4" name="CasellaDiTesto 3">
+            <a:extLst>
+              <a:ext uri="{FF2B5EF4-FFF2-40B4-BE49-F238E27FC236}">
+                <a16:creationId xmlns:a16="http://schemas.microsoft.com/office/drawing/2014/main" id="{54936865-F42B-4322-9DD8-904CBB71308E}"/>
+              </a:ext>
+            </a:extLst>
+          </p:cNvPr>
+          <p:cNvSpPr txBox="1"/>
+          <p:nvPr/>
+        </p:nvSpPr>
+        <p:spPr>
+          <a:xfrm>
+            <a:off x="1498859" y="1371599"/>
+            <a:ext cx="5483831" cy="2862322"/>
+          </a:xfrm>
+          <a:prstGeom prst="rect">
+            <a:avLst/>
+          </a:prstGeom>
+          <a:noFill/>
+        </p:spPr>
+        <p:txBody>
+          <a:bodyPr wrap="square" rtlCol="0">
+            <a:spAutoFit/>
+          </a:bodyPr>
+          <a:lstStyle/>
+          <a:p>
+            <a:pPr algn="just"/>
+            <a:r>
+              <a:rPr lang="it-IT" dirty="0"/>
+              <a:t>Il </a:t>
+            </a:r>
+            <a:r>
+              <a:rPr lang="it-IT" dirty="0" err="1"/>
+              <a:t>backend</a:t>
+            </a:r>
+            <a:r>
+              <a:rPr lang="it-IT" dirty="0"/>
+              <a:t> è composto da un server </a:t>
+            </a:r>
+            <a:r>
+              <a:rPr lang="it-IT" dirty="0" err="1"/>
+              <a:t>Django</a:t>
+            </a:r>
+            <a:r>
+              <a:rPr lang="it-IT" dirty="0"/>
+              <a:t>, sul quale è presente anche un database </a:t>
+            </a:r>
+            <a:r>
+              <a:rPr lang="it-IT" dirty="0" err="1"/>
+              <a:t>PostgreSql</a:t>
+            </a:r>
+            <a:r>
+              <a:rPr lang="it-IT" dirty="0"/>
+              <a:t> con il quale memorizzare i dati. Il server funziona tramite chiamate REST, quindi ogni qual volta viene contattato ad una certa pagina salva nel database i dati fornitigli; la sorgente dati è indifferente, è sufficiente che i dati vengano inviati tramite una post ad un indirizzo specifico. Il server comunica anche con il modulo di visualizzazione dei dati inviando a Logstash gli stessi dati che memorizza sul database.</a:t>
+            </a:r>
+          </a:p>
+        </p:txBody>
+      </p:sp>
+      <p:pic>
+        <p:nvPicPr>
+          <p:cNvPr id="5" name="Immagine 4">
+            <a:extLst>
+              <a:ext uri="{FF2B5EF4-FFF2-40B4-BE49-F238E27FC236}">
+                <a16:creationId xmlns:a16="http://schemas.microsoft.com/office/drawing/2014/main" id="{14259763-43D9-44D2-870C-C1A603A4DD86}"/>
+              </a:ext>
+            </a:extLst>
+          </p:cNvPr>
+          <p:cNvPicPr>
+            <a:picLocks noChangeAspect="1"/>
+          </p:cNvPicPr>
+          <p:nvPr/>
+        </p:nvPicPr>
+        <p:blipFill rotWithShape="1">
+          <a:blip r:embed="rId3">
+            <a:extLst>
+              <a:ext uri="{BEBA8EAE-BF5A-486C-A8C5-ECC9F3942E4B}">
+                <a14:imgProps xmlns:a14="http://schemas.microsoft.com/office/drawing/2010/main">
+                  <a14:imgLayer r:embed="rId4">
+                    <a14:imgEffect>
+                      <a14:sharpenSoften amount="50000"/>
+                    </a14:imgEffect>
+                    <a14:imgEffect>
+                      <a14:brightnessContrast contrast="40000"/>
+                    </a14:imgEffect>
+                  </a14:imgLayer>
+                </a14:imgProps>
+              </a:ext>
+              <a:ext uri="{28A0092B-C50C-407E-A947-70E740481C1C}">
+                <a14:useLocalDpi xmlns:a14="http://schemas.microsoft.com/office/drawing/2010/main" val="0"/>
+              </a:ext>
+            </a:extLst>
+          </a:blip>
+          <a:srcRect l="26184" r="26073"/>
+          <a:stretch/>
+        </p:blipFill>
+        <p:spPr>
+          <a:xfrm>
+            <a:off x="3294408" y="4313736"/>
+            <a:ext cx="1017580" cy="1065664"/>
+          </a:xfrm>
+          <a:prstGeom prst="rect">
+            <a:avLst/>
+          </a:prstGeom>
+        </p:spPr>
+      </p:pic>
+      <p:pic>
+        <p:nvPicPr>
+          <p:cNvPr id="7" name="Immagine 6">
+            <a:extLst>
+              <a:ext uri="{FF2B5EF4-FFF2-40B4-BE49-F238E27FC236}">
+                <a16:creationId xmlns:a16="http://schemas.microsoft.com/office/drawing/2014/main" id="{0DB1DD6A-0C61-4DEA-A7D4-15A469763E6C}"/>
+              </a:ext>
+            </a:extLst>
+          </p:cNvPr>
+          <p:cNvPicPr>
+            <a:picLocks noChangeAspect="1"/>
+          </p:cNvPicPr>
+          <p:nvPr/>
+        </p:nvPicPr>
+        <p:blipFill rotWithShape="1">
+          <a:blip r:embed="rId5">
+            <a:extLst>
+              <a:ext uri="{28A0092B-C50C-407E-A947-70E740481C1C}">
+                <a14:useLocalDpi xmlns:a14="http://schemas.microsoft.com/office/drawing/2010/main" val="0"/>
+              </a:ext>
+            </a:extLst>
+          </a:blip>
+          <a:srcRect l="6444" t="34061" r="6404" b="34424"/>
+          <a:stretch/>
+        </p:blipFill>
+        <p:spPr>
+          <a:xfrm>
+            <a:off x="1469570" y="4571055"/>
+            <a:ext cx="1523797" cy="551026"/>
+          </a:xfrm>
+          <a:prstGeom prst="rect">
+            <a:avLst/>
+          </a:prstGeom>
+        </p:spPr>
+      </p:pic>
+      <p:pic>
+        <p:nvPicPr>
+          <p:cNvPr id="9" name="Immagine 8">
+            <a:extLst>
+              <a:ext uri="{FF2B5EF4-FFF2-40B4-BE49-F238E27FC236}">
+                <a16:creationId xmlns:a16="http://schemas.microsoft.com/office/drawing/2014/main" id="{061F82E1-3A5E-4290-847E-B33C12DB8AA3}"/>
+              </a:ext>
+            </a:extLst>
+          </p:cNvPr>
+          <p:cNvPicPr>
+            <a:picLocks noChangeAspect="1"/>
+          </p:cNvPicPr>
+          <p:nvPr/>
+        </p:nvPicPr>
+        <p:blipFill>
+          <a:blip r:embed="rId6">
+            <a:extLst>
+              <a:ext uri="{28A0092B-C50C-407E-A947-70E740481C1C}">
+                <a14:useLocalDpi xmlns:a14="http://schemas.microsoft.com/office/drawing/2010/main" val="0"/>
+              </a:ext>
+            </a:extLst>
+          </a:blip>
+          <a:stretch>
+            <a:fillRect/>
+          </a:stretch>
+        </p:blipFill>
+        <p:spPr>
+          <a:xfrm>
+            <a:off x="4613029" y="4176613"/>
+            <a:ext cx="2369661" cy="1087714"/>
+          </a:xfrm>
+          <a:prstGeom prst="rect">
+            <a:avLst/>
+          </a:prstGeom>
+        </p:spPr>
+      </p:pic>
+    </p:spTree>
+    <p:extLst>
+      <p:ext uri="{BB962C8B-B14F-4D97-AF65-F5344CB8AC3E}">
+        <p14:creationId xmlns:p14="http://schemas.microsoft.com/office/powerpoint/2010/main" val="3404075444"/>
+      </p:ext>
+    </p:extLst>
+  </p:cSld>
+  <p:clrMapOvr>
+    <a:masterClrMapping/>
+  </p:clrMapOvr>
+</p:sld>
+</file>
+
+<file path=ppt/slides/slide8.xml><?xml version="1.0" encoding="utf-8"?>
+<p:sld xmlns:a="http://schemas.openxmlformats.org/drawingml/2006/main" xmlns:r="http://schemas.openxmlformats.org/officeDocument/2006/relationships" xmlns:p="http://schemas.openxmlformats.org/presentationml/2006/main">
+  <p:cSld>
+    <p:spTree>
+      <p:nvGrpSpPr>
+        <p:cNvPr id="1" name=""/>
+        <p:cNvGrpSpPr/>
+        <p:nvPr/>
+      </p:nvGrpSpPr>
+      <p:grpSpPr>
+        <a:xfrm>
+          <a:off x="0" y="0"/>
+          <a:ext cx="0" cy="0"/>
+          <a:chOff x="0" y="0"/>
+          <a:chExt cx="0" cy="0"/>
+        </a:xfrm>
+      </p:grpSpPr>
+      <p:pic>
+        <p:nvPicPr>
+          <p:cNvPr id="2" name="Segnaposto contenuto 5">
+            <a:extLst>
+              <a:ext uri="{FF2B5EF4-FFF2-40B4-BE49-F238E27FC236}">
+                <a16:creationId xmlns:a16="http://schemas.microsoft.com/office/drawing/2014/main" id="{62E248BA-7477-47F3-B939-17C9D4A17DAD}"/>
+              </a:ext>
+            </a:extLst>
+          </p:cNvPr>
+          <p:cNvPicPr>
+            <a:picLocks noChangeAspect="1"/>
+          </p:cNvPicPr>
+          <p:nvPr/>
+        </p:nvPicPr>
+        <p:blipFill rotWithShape="1">
+          <a:blip r:embed="rId2">
+            <a:extLst>
+              <a:ext uri="{28A0092B-C50C-407E-A947-70E740481C1C}">
+                <a14:useLocalDpi xmlns:a14="http://schemas.microsoft.com/office/drawing/2010/main" val="0"/>
+              </a:ext>
+            </a:extLst>
+          </a:blip>
+          <a:srcRect l="50900"/>
+          <a:stretch/>
+        </p:blipFill>
+        <p:spPr>
+          <a:xfrm>
+            <a:off x="7739148" y="259449"/>
+            <a:ext cx="2892627" cy="4501151"/>
+          </a:xfrm>
+          <a:prstGeom prst="rect">
+            <a:avLst/>
+          </a:prstGeom>
+        </p:spPr>
+      </p:pic>
+      <p:sp>
+        <p:nvSpPr>
+          <p:cNvPr id="3" name="Titolo 1">
+            <a:extLst>
+              <a:ext uri="{FF2B5EF4-FFF2-40B4-BE49-F238E27FC236}">
+                <a16:creationId xmlns:a16="http://schemas.microsoft.com/office/drawing/2014/main" id="{1C1000EF-8516-41E1-BD57-E3893A52ED4C}"/>
+              </a:ext>
+            </a:extLst>
+          </p:cNvPr>
+          <p:cNvSpPr txBox="1">
+            <a:spLocks/>
+          </p:cNvSpPr>
+          <p:nvPr/>
+        </p:nvSpPr>
+        <p:spPr>
+          <a:xfrm>
+            <a:off x="1498859" y="701644"/>
+            <a:ext cx="5483831" cy="669955"/>
+          </a:xfrm>
+          <a:prstGeom prst="rect">
+            <a:avLst/>
+          </a:prstGeom>
+        </p:spPr>
+        <p:txBody>
+          <a:bodyPr/>
+          <a:lstStyle>
+            <a:lvl1pPr algn="l" defTabSz="914400" rtl="0" eaLnBrk="1" latinLnBrk="0" hangingPunct="1">
+              <a:lnSpc>
+                <a:spcPct val="90000"/>
+              </a:lnSpc>
+              <a:spcBef>
+                <a:spcPct val="0"/>
+              </a:spcBef>
+              <a:buNone/>
+              <a:defRPr sz="3600" kern="1200" cap="all" baseline="0">
+                <a:solidFill>
+                  <a:schemeClr val="tx1"/>
+                </a:solidFill>
+                <a:latin typeface="+mj-lt"/>
+                <a:ea typeface="+mj-ea"/>
+                <a:cs typeface="+mj-cs"/>
+              </a:defRPr>
+            </a:lvl1pPr>
+          </a:lstStyle>
+          <a:p>
+            <a:r>
+              <a:rPr lang="it-IT" dirty="0"/>
+              <a:t>Modulo di VIS. dati</a:t>
+            </a:r>
+          </a:p>
+        </p:txBody>
+      </p:sp>
+      <p:sp>
+        <p:nvSpPr>
+          <p:cNvPr id="4" name="CasellaDiTesto 3">
+            <a:extLst>
+              <a:ext uri="{FF2B5EF4-FFF2-40B4-BE49-F238E27FC236}">
+                <a16:creationId xmlns:a16="http://schemas.microsoft.com/office/drawing/2014/main" id="{007CCE2A-D1A5-4E2F-9CE0-132EAB0C3F81}"/>
+              </a:ext>
+            </a:extLst>
+          </p:cNvPr>
+          <p:cNvSpPr txBox="1"/>
+          <p:nvPr/>
+        </p:nvSpPr>
+        <p:spPr>
+          <a:xfrm>
+            <a:off x="1498859" y="1371599"/>
+            <a:ext cx="5483831" cy="2585323"/>
+          </a:xfrm>
+          <a:prstGeom prst="rect">
+            <a:avLst/>
+          </a:prstGeom>
+          <a:noFill/>
+        </p:spPr>
+        <p:txBody>
+          <a:bodyPr wrap="square" rtlCol="0">
+            <a:spAutoFit/>
+          </a:bodyPr>
+          <a:lstStyle/>
+          <a:p>
+            <a:pPr algn="just"/>
+            <a:r>
+              <a:rPr lang="it-IT" dirty="0"/>
+              <a:t>Per visualizzare i dati vieni usato l’ELK </a:t>
+            </a:r>
+            <a:r>
+              <a:rPr lang="it-IT" dirty="0" err="1"/>
+              <a:t>Stack</a:t>
+            </a:r>
+            <a:r>
+              <a:rPr lang="it-IT" dirty="0"/>
+              <a:t>. Logstash quando viene contattato dal server di </a:t>
+            </a:r>
+            <a:r>
+              <a:rPr lang="it-IT" dirty="0" err="1"/>
+              <a:t>backend</a:t>
+            </a:r>
+            <a:r>
+              <a:rPr lang="it-IT" dirty="0"/>
+              <a:t> inoltra i dati a </a:t>
+            </a:r>
+            <a:r>
+              <a:rPr lang="it-IT" dirty="0" err="1"/>
+              <a:t>Elasticsearch</a:t>
+            </a:r>
+            <a:r>
+              <a:rPr lang="it-IT" dirty="0"/>
+              <a:t>.</a:t>
+            </a:r>
+          </a:p>
+          <a:p>
+            <a:pPr algn="just"/>
+            <a:r>
+              <a:rPr lang="it-IT" dirty="0"/>
+              <a:t>Quando l’utente si collegherà alla </a:t>
+            </a:r>
+            <a:r>
+              <a:rPr lang="it-IT" dirty="0" err="1"/>
+              <a:t>webApp</a:t>
+            </a:r>
+            <a:r>
+              <a:rPr lang="it-IT" dirty="0"/>
+              <a:t> userà la </a:t>
+            </a:r>
+            <a:r>
+              <a:rPr lang="it-IT" dirty="0" err="1"/>
+              <a:t>dashboard</a:t>
+            </a:r>
+            <a:r>
+              <a:rPr lang="it-IT" dirty="0"/>
+              <a:t> di </a:t>
+            </a:r>
+            <a:r>
+              <a:rPr lang="it-IT" dirty="0" err="1"/>
+              <a:t>Kibana</a:t>
+            </a:r>
+            <a:r>
+              <a:rPr lang="it-IT" dirty="0"/>
+              <a:t> su cui è stata inserita una mappa contenente tutte le posizioni dei dispositivi corredate dagli orari in cui hanno effettuato il log, affiancata da una tabella riassuntiva in cui sono contenuti tutti i dati relativi.</a:t>
+            </a:r>
+          </a:p>
+        </p:txBody>
+      </p:sp>
+      <p:pic>
+        <p:nvPicPr>
+          <p:cNvPr id="6" name="Immagine 5">
+            <a:extLst>
+              <a:ext uri="{FF2B5EF4-FFF2-40B4-BE49-F238E27FC236}">
+                <a16:creationId xmlns:a16="http://schemas.microsoft.com/office/drawing/2014/main" id="{EDFB123F-C377-498B-9F3A-D0F145B475A0}"/>
+              </a:ext>
+            </a:extLst>
+          </p:cNvPr>
+          <p:cNvPicPr>
+            <a:picLocks noChangeAspect="1"/>
+          </p:cNvPicPr>
+          <p:nvPr/>
+        </p:nvPicPr>
+        <p:blipFill rotWithShape="1">
+          <a:blip r:embed="rId3">
+            <a:extLst>
+              <a:ext uri="{28A0092B-C50C-407E-A947-70E740481C1C}">
+                <a14:useLocalDpi xmlns:a14="http://schemas.microsoft.com/office/drawing/2010/main" val="0"/>
+              </a:ext>
+            </a:extLst>
+          </a:blip>
+          <a:srcRect t="16239" b="13713"/>
+          <a:stretch/>
+        </p:blipFill>
+        <p:spPr>
+          <a:xfrm>
+            <a:off x="3144983" y="3807230"/>
+            <a:ext cx="2441170" cy="1353740"/>
+          </a:xfrm>
+          <a:prstGeom prst="rect">
+            <a:avLst/>
+          </a:prstGeom>
+        </p:spPr>
+      </p:pic>
+    </p:spTree>
+    <p:extLst>
+      <p:ext uri="{BB962C8B-B14F-4D97-AF65-F5344CB8AC3E}">
+        <p14:creationId xmlns:p14="http://schemas.microsoft.com/office/powerpoint/2010/main" val="2484635231"/>
       </p:ext>
     </p:extLst>
   </p:cSld>
